--- a/スカルプトデザイン/11_ZbrushとMayaを使ったワークフロー理解.pptx
+++ b/スカルプトデザイン/11_ZbrushとMayaを使ったワークフロー理解.pptx
@@ -5,7 +5,7 @@
     <p:sldMasterId id="2147485659" r:id="rId1"/>
   </p:sldMasterIdLst>
   <p:notesMasterIdLst>
-    <p:notesMasterId r:id="rId7"/>
+    <p:notesMasterId r:id="rId9"/>
   </p:notesMasterIdLst>
   <p:sldIdLst>
     <p:sldId id="256" r:id="rId2"/>
@@ -13,6 +13,8 @@
     <p:sldId id="259" r:id="rId4"/>
     <p:sldId id="260" r:id="rId5"/>
     <p:sldId id="261" r:id="rId6"/>
+    <p:sldId id="262" r:id="rId7"/>
+    <p:sldId id="263" r:id="rId8"/>
   </p:sldIdLst>
   <p:sldSz cx="12192000" cy="6858000"/>
   <p:notesSz cx="6858000" cy="9144000"/>
@@ -201,7 +203,7 @@
           <a:p>
             <a:fld id="{7FAFC1C1-A0B3-4216-9829-7D250BC027E5}" type="datetimeFigureOut">
               <a:rPr kumimoji="1" lang="ja-JP" altLang="en-US" smtClean="0"/>
-              <a:t>2021/9/25</a:t>
+              <a:t>2021/12/28</a:t>
             </a:fld>
             <a:endParaRPr kumimoji="1" lang="ja-JP" altLang="en-US"/>
           </a:p>
@@ -971,7 +973,7 @@
           <a:p>
             <a:fld id="{2F525C4B-B3F4-4B9F-9471-2865EC5F20A3}" type="datetime1">
               <a:rPr kumimoji="1" lang="ja-JP" altLang="en-US" smtClean="0"/>
-              <a:t>2021/9/25</a:t>
+              <a:t>2021/12/28</a:t>
             </a:fld>
             <a:endParaRPr kumimoji="1" lang="ja-JP" altLang="en-US"/>
           </a:p>
@@ -1271,7 +1273,7 @@
           <a:p>
             <a:fld id="{231C5E0D-C369-4648-8767-D2D15ADF89E7}" type="datetime1">
               <a:rPr kumimoji="1" lang="ja-JP" altLang="en-US" smtClean="0"/>
-              <a:t>2021/9/25</a:t>
+              <a:t>2021/12/28</a:t>
             </a:fld>
             <a:endParaRPr kumimoji="1" lang="ja-JP" altLang="en-US"/>
           </a:p>
@@ -1524,7 +1526,7 @@
           <a:p>
             <a:fld id="{231C5E0D-C369-4648-8767-D2D15ADF89E7}" type="datetime1">
               <a:rPr kumimoji="1" lang="ja-JP" altLang="en-US" smtClean="0"/>
-              <a:t>2021/9/25</a:t>
+              <a:t>2021/12/28</a:t>
             </a:fld>
             <a:endParaRPr kumimoji="1" lang="ja-JP" altLang="en-US"/>
           </a:p>
@@ -2069,7 +2071,7 @@
           <a:p>
             <a:fld id="{231C5E0D-C369-4648-8767-D2D15ADF89E7}" type="datetime1">
               <a:rPr kumimoji="1" lang="ja-JP" altLang="en-US" smtClean="0"/>
-              <a:t>2021/9/25</a:t>
+              <a:t>2021/12/28</a:t>
             </a:fld>
             <a:endParaRPr kumimoji="1" lang="ja-JP" altLang="en-US"/>
           </a:p>
@@ -2322,7 +2324,7 @@
           <a:p>
             <a:fld id="{231C5E0D-C369-4648-8767-D2D15ADF89E7}" type="datetime1">
               <a:rPr kumimoji="1" lang="ja-JP" altLang="en-US" smtClean="0"/>
-              <a:t>2021/9/25</a:t>
+              <a:t>2021/12/28</a:t>
             </a:fld>
             <a:endParaRPr kumimoji="1" lang="ja-JP" altLang="en-US"/>
           </a:p>
@@ -2859,7 +2861,7 @@
           <a:p>
             <a:fld id="{231C5E0D-C369-4648-8767-D2D15ADF89E7}" type="datetime1">
               <a:rPr kumimoji="1" lang="ja-JP" altLang="en-US" smtClean="0"/>
-              <a:t>2021/9/25</a:t>
+              <a:t>2021/12/28</a:t>
             </a:fld>
             <a:endParaRPr kumimoji="1" lang="ja-JP" altLang="en-US"/>
           </a:p>
@@ -3161,7 +3163,7 @@
           <a:p>
             <a:fld id="{231C5E0D-C369-4648-8767-D2D15ADF89E7}" type="datetime1">
               <a:rPr kumimoji="1" lang="ja-JP" altLang="en-US" smtClean="0"/>
-              <a:t>2021/9/25</a:t>
+              <a:t>2021/12/28</a:t>
             </a:fld>
             <a:endParaRPr kumimoji="1" lang="ja-JP" altLang="en-US"/>
           </a:p>
@@ -3340,7 +3342,7 @@
           <a:p>
             <a:fld id="{231C5E0D-C369-4648-8767-D2D15ADF89E7}" type="datetime1">
               <a:rPr kumimoji="1" lang="ja-JP" altLang="en-US" smtClean="0"/>
-              <a:t>2021/9/25</a:t>
+              <a:t>2021/12/28</a:t>
             </a:fld>
             <a:endParaRPr kumimoji="1" lang="ja-JP" altLang="en-US"/>
           </a:p>
@@ -3525,7 +3527,7 @@
           <a:p>
             <a:fld id="{231C5E0D-C369-4648-8767-D2D15ADF89E7}" type="datetime1">
               <a:rPr kumimoji="1" lang="ja-JP" altLang="en-US" smtClean="0"/>
-              <a:t>2021/9/25</a:t>
+              <a:t>2021/12/28</a:t>
             </a:fld>
             <a:endParaRPr kumimoji="1" lang="ja-JP" altLang="en-US"/>
           </a:p>
@@ -3726,7 +3728,7 @@
           <a:p>
             <a:fld id="{231C5E0D-C369-4648-8767-D2D15ADF89E7}" type="datetime1">
               <a:rPr kumimoji="1" lang="ja-JP" altLang="en-US" smtClean="0"/>
-              <a:t>2021/9/25</a:t>
+              <a:t>2021/12/28</a:t>
             </a:fld>
             <a:endParaRPr kumimoji="1" lang="ja-JP" altLang="en-US"/>
           </a:p>
@@ -3982,7 +3984,7 @@
           <a:p>
             <a:fld id="{920117EA-6FE5-462A-928B-3213FB364B06}" type="datetime1">
               <a:rPr kumimoji="1" lang="ja-JP" altLang="en-US" smtClean="0"/>
-              <a:t>2021/9/25</a:t>
+              <a:t>2021/12/28</a:t>
             </a:fld>
             <a:endParaRPr kumimoji="1" lang="ja-JP" altLang="en-US"/>
           </a:p>
@@ -4283,7 +4285,7 @@
           <a:p>
             <a:fld id="{231C5E0D-C369-4648-8767-D2D15ADF89E7}" type="datetime1">
               <a:rPr kumimoji="1" lang="ja-JP" altLang="en-US" smtClean="0"/>
-              <a:t>2021/9/25</a:t>
+              <a:t>2021/12/28</a:t>
             </a:fld>
             <a:endParaRPr kumimoji="1" lang="ja-JP" altLang="en-US"/>
           </a:p>
@@ -4730,7 +4732,7 @@
           <a:p>
             <a:fld id="{231C5E0D-C369-4648-8767-D2D15ADF89E7}" type="datetime1">
               <a:rPr kumimoji="1" lang="ja-JP" altLang="en-US" smtClean="0"/>
-              <a:t>2021/9/25</a:t>
+              <a:t>2021/12/28</a:t>
             </a:fld>
             <a:endParaRPr kumimoji="1" lang="ja-JP" altLang="en-US"/>
           </a:p>
@@ -4853,7 +4855,7 @@
           <a:p>
             <a:fld id="{872FF1D8-6933-48FE-9666-CBCA4AA90D2C}" type="datetime1">
               <a:rPr kumimoji="1" lang="ja-JP" altLang="en-US" smtClean="0"/>
-              <a:t>2021/9/25</a:t>
+              <a:t>2021/12/28</a:t>
             </a:fld>
             <a:endParaRPr kumimoji="1" lang="ja-JP" altLang="en-US"/>
           </a:p>
@@ -4952,7 +4954,7 @@
           <a:p>
             <a:fld id="{5A572E92-214F-40DF-9F8C-B673867FB301}" type="datetime1">
               <a:rPr kumimoji="1" lang="ja-JP" altLang="en-US" smtClean="0"/>
-              <a:t>2021/9/25</a:t>
+              <a:t>2021/12/28</a:t>
             </a:fld>
             <a:endParaRPr kumimoji="1" lang="ja-JP" altLang="en-US"/>
           </a:p>
@@ -5239,7 +5241,7 @@
           <a:p>
             <a:fld id="{231C5E0D-C369-4648-8767-D2D15ADF89E7}" type="datetime1">
               <a:rPr kumimoji="1" lang="ja-JP" altLang="en-US" smtClean="0"/>
-              <a:t>2021/9/25</a:t>
+              <a:t>2021/12/28</a:t>
             </a:fld>
             <a:endParaRPr kumimoji="1" lang="ja-JP" altLang="en-US"/>
           </a:p>
@@ -5535,7 +5537,7 @@
           <a:p>
             <a:fld id="{231C5E0D-C369-4648-8767-D2D15ADF89E7}" type="datetime1">
               <a:rPr kumimoji="1" lang="ja-JP" altLang="en-US" smtClean="0"/>
-              <a:t>2021/9/25</a:t>
+              <a:t>2021/12/28</a:t>
             </a:fld>
             <a:endParaRPr kumimoji="1" lang="ja-JP" altLang="en-US"/>
           </a:p>
@@ -6070,7 +6072,7 @@
           <a:p>
             <a:fld id="{231C5E0D-C369-4648-8767-D2D15ADF89E7}" type="datetime1">
               <a:rPr kumimoji="1" lang="ja-JP" altLang="en-US" smtClean="0"/>
-              <a:t>2021/9/25</a:t>
+              <a:t>2021/12/28</a:t>
             </a:fld>
             <a:endParaRPr kumimoji="1" lang="ja-JP" altLang="en-US"/>
           </a:p>
@@ -7485,6 +7487,431 @@
     <p:extLst>
       <p:ext uri="{BB962C8B-B14F-4D97-AF65-F5344CB8AC3E}">
         <p14:creationId xmlns:p14="http://schemas.microsoft.com/office/powerpoint/2010/main" val="1686928399"/>
+      </p:ext>
+    </p:extLst>
+  </p:cSld>
+  <p:clrMapOvr>
+    <a:masterClrMapping/>
+  </p:clrMapOvr>
+</p:sld>
+</file>
+
+<file path=ppt/slides/slide6.xml><?xml version="1.0" encoding="utf-8"?>
+<p:sld xmlns:a="http://schemas.openxmlformats.org/drawingml/2006/main" xmlns:r="http://schemas.openxmlformats.org/officeDocument/2006/relationships" xmlns:p="http://schemas.openxmlformats.org/presentationml/2006/main">
+  <p:cSld>
+    <p:spTree>
+      <p:nvGrpSpPr>
+        <p:cNvPr id="1" name=""/>
+        <p:cNvGrpSpPr/>
+        <p:nvPr/>
+      </p:nvGrpSpPr>
+      <p:grpSpPr>
+        <a:xfrm>
+          <a:off x="0" y="0"/>
+          <a:ext cx="0" cy="0"/>
+          <a:chOff x="0" y="0"/>
+          <a:chExt cx="0" cy="0"/>
+        </a:xfrm>
+      </p:grpSpPr>
+      <p:sp>
+        <p:nvSpPr>
+          <p:cNvPr id="2" name="Title 1">
+            <a:extLst>
+              <a:ext uri="{FF2B5EF4-FFF2-40B4-BE49-F238E27FC236}">
+                <a16:creationId xmlns:a16="http://schemas.microsoft.com/office/drawing/2014/main" id="{A970402B-C43B-4DED-9144-1C814BA41EDA}"/>
+              </a:ext>
+            </a:extLst>
+          </p:cNvPr>
+          <p:cNvSpPr>
+            <a:spLocks noGrp="1"/>
+          </p:cNvSpPr>
+          <p:nvPr>
+            <p:ph type="title"/>
+          </p:nvPr>
+        </p:nvSpPr>
+        <p:spPr/>
+        <p:txBody>
+          <a:bodyPr>
+            <a:normAutofit/>
+          </a:bodyPr>
+          <a:lstStyle/>
+          <a:p>
+            <a:r>
+              <a:rPr kumimoji="1" lang="ja-JP" altLang="en-US" dirty="0"/>
+              <a:t>ワークフロー</a:t>
+            </a:r>
+          </a:p>
+        </p:txBody>
+      </p:sp>
+      <p:sp>
+        <p:nvSpPr>
+          <p:cNvPr id="3" name="Content Placeholder 2">
+            <a:extLst>
+              <a:ext uri="{FF2B5EF4-FFF2-40B4-BE49-F238E27FC236}">
+                <a16:creationId xmlns:a16="http://schemas.microsoft.com/office/drawing/2014/main" id="{3220D9F3-C589-4094-A9DA-A24069954F7D}"/>
+              </a:ext>
+            </a:extLst>
+          </p:cNvPr>
+          <p:cNvSpPr>
+            <a:spLocks noGrp="1"/>
+          </p:cNvSpPr>
+          <p:nvPr>
+            <p:ph idx="1"/>
+          </p:nvPr>
+        </p:nvSpPr>
+        <p:spPr/>
+        <p:txBody>
+          <a:bodyPr/>
+          <a:lstStyle/>
+          <a:p>
+            <a:r>
+              <a:rPr kumimoji="1" lang="en-US" altLang="ja-JP" dirty="0"/>
+              <a:t>Maya</a:t>
+            </a:r>
+            <a:r>
+              <a:rPr kumimoji="1" lang="ja-JP" altLang="en-US" dirty="0"/>
+              <a:t>でシルエットをモデリング</a:t>
+            </a:r>
+            <a:endParaRPr kumimoji="1" lang="en-US" altLang="ja-JP" dirty="0"/>
+          </a:p>
+          <a:p>
+            <a:r>
+              <a:rPr lang="en-US" altLang="ja-JP" dirty="0" err="1"/>
+              <a:t>Zbrush</a:t>
+            </a:r>
+            <a:r>
+              <a:rPr lang="ja-JP" altLang="en-US" dirty="0"/>
+              <a:t>でスカルプト</a:t>
+            </a:r>
+            <a:endParaRPr lang="en-US" altLang="ja-JP" dirty="0"/>
+          </a:p>
+          <a:p>
+            <a:r>
+              <a:rPr kumimoji="1" lang="en-US" altLang="ja-JP" dirty="0"/>
+              <a:t>Decimation</a:t>
+            </a:r>
+            <a:r>
+              <a:rPr kumimoji="1" lang="ja-JP" altLang="en-US" dirty="0"/>
+              <a:t>マスターでリダクション</a:t>
+            </a:r>
+            <a:endParaRPr kumimoji="1" lang="en-US" altLang="ja-JP" dirty="0"/>
+          </a:p>
+          <a:p>
+            <a:r>
+              <a:rPr lang="en-US" altLang="ja-JP" dirty="0"/>
+              <a:t>UV</a:t>
+            </a:r>
+            <a:r>
+              <a:rPr lang="ja-JP" altLang="en-US" dirty="0"/>
+              <a:t>マスターで</a:t>
+            </a:r>
+            <a:r>
+              <a:rPr lang="en-US" altLang="ja-JP" dirty="0"/>
+              <a:t>UV</a:t>
+            </a:r>
+            <a:r>
+              <a:rPr lang="ja-JP" altLang="en-US" dirty="0"/>
+              <a:t>展開</a:t>
+            </a:r>
+            <a:endParaRPr lang="en-US" altLang="ja-JP" dirty="0"/>
+          </a:p>
+          <a:p>
+            <a:r>
+              <a:rPr kumimoji="1" lang="en-US" altLang="ja-JP" dirty="0"/>
+              <a:t>Substance Painter</a:t>
+            </a:r>
+            <a:r>
+              <a:rPr kumimoji="1" lang="ja-JP" altLang="en-US" dirty="0"/>
+              <a:t>にもっていきベイク</a:t>
+            </a:r>
+            <a:endParaRPr kumimoji="1" lang="en-US" altLang="ja-JP" dirty="0"/>
+          </a:p>
+          <a:p>
+            <a:r>
+              <a:rPr kumimoji="1" lang="en-US" altLang="ja-JP" dirty="0">
+                <a:hlinkClick r:id="rId2"/>
+              </a:rPr>
+              <a:t>https://helpx.adobe.com/jp/substance-3d-painter/using/baking.html</a:t>
+            </a:r>
+            <a:endParaRPr lang="en-US" altLang="ja-JP" dirty="0"/>
+          </a:p>
+          <a:p>
+            <a:r>
+              <a:rPr kumimoji="1" lang="ja-JP" altLang="en-US" dirty="0"/>
+              <a:t>マテリアルを作成してエクスポート</a:t>
+            </a:r>
+            <a:endParaRPr kumimoji="1" lang="en-US" altLang="ja-JP" dirty="0"/>
+          </a:p>
+          <a:p>
+            <a:endParaRPr kumimoji="1" lang="ja-JP" altLang="en-US" dirty="0"/>
+          </a:p>
+        </p:txBody>
+      </p:sp>
+      <p:sp>
+        <p:nvSpPr>
+          <p:cNvPr id="4" name="Footer Placeholder 3">
+            <a:extLst>
+              <a:ext uri="{FF2B5EF4-FFF2-40B4-BE49-F238E27FC236}">
+                <a16:creationId xmlns:a16="http://schemas.microsoft.com/office/drawing/2014/main" id="{5FB32C2F-FC81-4787-868B-AED7675377CC}"/>
+              </a:ext>
+            </a:extLst>
+          </p:cNvPr>
+          <p:cNvSpPr>
+            <a:spLocks noGrp="1"/>
+          </p:cNvSpPr>
+          <p:nvPr>
+            <p:ph type="ftr" sz="quarter" idx="11"/>
+          </p:nvPr>
+        </p:nvSpPr>
+        <p:spPr/>
+        <p:txBody>
+          <a:bodyPr/>
+          <a:lstStyle/>
+          <a:p>
+            <a:r>
+              <a:rPr kumimoji="1" lang="fi-FI" altLang="ja-JP"/>
+              <a:t>© 2021 Nishikawa   Web:https://harkerhack.com/</a:t>
+            </a:r>
+            <a:endParaRPr kumimoji="1" lang="ja-JP" altLang="en-US"/>
+          </a:p>
+        </p:txBody>
+      </p:sp>
+      <p:sp>
+        <p:nvSpPr>
+          <p:cNvPr id="5" name="Slide Number Placeholder 4">
+            <a:extLst>
+              <a:ext uri="{FF2B5EF4-FFF2-40B4-BE49-F238E27FC236}">
+                <a16:creationId xmlns:a16="http://schemas.microsoft.com/office/drawing/2014/main" id="{F70EE319-D417-4242-96D2-316708B68BA4}"/>
+              </a:ext>
+            </a:extLst>
+          </p:cNvPr>
+          <p:cNvSpPr>
+            <a:spLocks noGrp="1"/>
+          </p:cNvSpPr>
+          <p:nvPr>
+            <p:ph type="sldNum" sz="quarter" idx="12"/>
+          </p:nvPr>
+        </p:nvSpPr>
+        <p:spPr/>
+        <p:txBody>
+          <a:bodyPr/>
+          <a:lstStyle/>
+          <a:p>
+            <a:fld id="{91512E4F-4AC8-432B-8AD7-25FC6E577C8A}" type="slidenum">
+              <a:rPr kumimoji="1" lang="ja-JP" altLang="en-US" smtClean="0"/>
+              <a:t>6</a:t>
+            </a:fld>
+            <a:endParaRPr kumimoji="1" lang="ja-JP" altLang="en-US"/>
+          </a:p>
+        </p:txBody>
+      </p:sp>
+    </p:spTree>
+    <p:extLst>
+      <p:ext uri="{BB962C8B-B14F-4D97-AF65-F5344CB8AC3E}">
+        <p14:creationId xmlns:p14="http://schemas.microsoft.com/office/powerpoint/2010/main" val="2683127774"/>
+      </p:ext>
+    </p:extLst>
+  </p:cSld>
+  <p:clrMapOvr>
+    <a:masterClrMapping/>
+  </p:clrMapOvr>
+</p:sld>
+</file>
+
+<file path=ppt/slides/slide7.xml><?xml version="1.0" encoding="utf-8"?>
+<p:sld xmlns:a="http://schemas.openxmlformats.org/drawingml/2006/main" xmlns:r="http://schemas.openxmlformats.org/officeDocument/2006/relationships" xmlns:p="http://schemas.openxmlformats.org/presentationml/2006/main">
+  <p:cSld>
+    <p:spTree>
+      <p:nvGrpSpPr>
+        <p:cNvPr id="1" name=""/>
+        <p:cNvGrpSpPr/>
+        <p:nvPr/>
+      </p:nvGrpSpPr>
+      <p:grpSpPr>
+        <a:xfrm>
+          <a:off x="0" y="0"/>
+          <a:ext cx="0" cy="0"/>
+          <a:chOff x="0" y="0"/>
+          <a:chExt cx="0" cy="0"/>
+        </a:xfrm>
+      </p:grpSpPr>
+      <p:sp>
+        <p:nvSpPr>
+          <p:cNvPr id="2" name="Title 1">
+            <a:extLst>
+              <a:ext uri="{FF2B5EF4-FFF2-40B4-BE49-F238E27FC236}">
+                <a16:creationId xmlns:a16="http://schemas.microsoft.com/office/drawing/2014/main" id="{0177FFE0-1DCB-4A78-B864-9552474912EA}"/>
+              </a:ext>
+            </a:extLst>
+          </p:cNvPr>
+          <p:cNvSpPr>
+            <a:spLocks noGrp="1"/>
+          </p:cNvSpPr>
+          <p:nvPr>
+            <p:ph type="title"/>
+          </p:nvPr>
+        </p:nvSpPr>
+        <p:spPr/>
+        <p:txBody>
+          <a:bodyPr>
+            <a:normAutofit/>
+          </a:bodyPr>
+          <a:lstStyle/>
+          <a:p>
+            <a:r>
+              <a:rPr kumimoji="1" lang="ja-JP" altLang="en-US" dirty="0"/>
+              <a:t>サブスタンスペインター</a:t>
+            </a:r>
+          </a:p>
+        </p:txBody>
+      </p:sp>
+      <p:sp>
+        <p:nvSpPr>
+          <p:cNvPr id="3" name="Content Placeholder 2">
+            <a:extLst>
+              <a:ext uri="{FF2B5EF4-FFF2-40B4-BE49-F238E27FC236}">
+                <a16:creationId xmlns:a16="http://schemas.microsoft.com/office/drawing/2014/main" id="{98131D11-4EDB-4733-88D8-635BCF5E5029}"/>
+              </a:ext>
+            </a:extLst>
+          </p:cNvPr>
+          <p:cNvSpPr>
+            <a:spLocks noGrp="1"/>
+          </p:cNvSpPr>
+          <p:nvPr>
+            <p:ph idx="1"/>
+          </p:nvPr>
+        </p:nvSpPr>
+        <p:spPr/>
+        <p:txBody>
+          <a:bodyPr/>
+          <a:lstStyle/>
+          <a:p>
+            <a:r>
+              <a:rPr kumimoji="1" lang="ja-JP" altLang="en-US" dirty="0"/>
+              <a:t>非破壊の</a:t>
+            </a:r>
+            <a:r>
+              <a:rPr kumimoji="1" lang="en-US" altLang="ja-JP" dirty="0"/>
+              <a:t>PBR</a:t>
+            </a:r>
+            <a:r>
+              <a:rPr kumimoji="1" lang="ja-JP" altLang="en-US" dirty="0"/>
+              <a:t>テクスチャ作成ツール</a:t>
+            </a:r>
+            <a:endParaRPr kumimoji="1" lang="en-US" altLang="ja-JP" dirty="0"/>
+          </a:p>
+          <a:p>
+            <a:r>
+              <a:rPr kumimoji="1" lang="ja-JP" altLang="en-US" dirty="0"/>
+              <a:t>非破壊がデフォルト、</a:t>
+            </a:r>
+            <a:r>
+              <a:rPr kumimoji="1" lang="en-US" altLang="ja-JP" dirty="0"/>
+              <a:t>PBR</a:t>
+            </a:r>
+            <a:r>
+              <a:rPr kumimoji="1" lang="ja-JP" altLang="en-US" dirty="0"/>
+              <a:t>がデフォルト</a:t>
+            </a:r>
+            <a:endParaRPr lang="en-US" altLang="ja-JP" dirty="0"/>
+          </a:p>
+          <a:p>
+            <a:r>
+              <a:rPr kumimoji="1" lang="ja-JP" altLang="en-US" dirty="0"/>
+              <a:t>マテリアルをまるごとペイントできる。（</a:t>
+            </a:r>
+            <a:r>
+              <a:rPr kumimoji="1" lang="en-US" altLang="ja-JP" dirty="0" err="1"/>
+              <a:t>albedo,normal</a:t>
+            </a:r>
+            <a:r>
+              <a:rPr lang="en-US" altLang="ja-JP" dirty="0" err="1"/>
+              <a:t>,metalness,routhness</a:t>
+            </a:r>
+            <a:r>
+              <a:rPr kumimoji="1" lang="ja-JP" altLang="en-US" dirty="0"/>
+              <a:t>）</a:t>
+            </a:r>
+            <a:endParaRPr kumimoji="1" lang="en-US" altLang="ja-JP" dirty="0"/>
+          </a:p>
+          <a:p>
+            <a:r>
+              <a:rPr lang="ja-JP" altLang="en-US" dirty="0"/>
+              <a:t>非破壊なので塗りぬぶしレイヤー→マスク</a:t>
+            </a:r>
+            <a:endParaRPr lang="en-US" altLang="ja-JP" dirty="0"/>
+          </a:p>
+          <a:p>
+            <a:r>
+              <a:rPr kumimoji="1" lang="ja-JP" altLang="en-US" dirty="0"/>
+              <a:t>ベイクした情報をもとにプロシージャル（手続き、コンピュータの計算で）にテクスチャを作成できる</a:t>
+            </a:r>
+            <a:endParaRPr kumimoji="1" lang="en-US" altLang="ja-JP" dirty="0"/>
+          </a:p>
+        </p:txBody>
+      </p:sp>
+      <p:sp>
+        <p:nvSpPr>
+          <p:cNvPr id="4" name="Footer Placeholder 3">
+            <a:extLst>
+              <a:ext uri="{FF2B5EF4-FFF2-40B4-BE49-F238E27FC236}">
+                <a16:creationId xmlns:a16="http://schemas.microsoft.com/office/drawing/2014/main" id="{E8F8D4D3-FC8F-49A3-BCE4-7B7922395BE0}"/>
+              </a:ext>
+            </a:extLst>
+          </p:cNvPr>
+          <p:cNvSpPr>
+            <a:spLocks noGrp="1"/>
+          </p:cNvSpPr>
+          <p:nvPr>
+            <p:ph type="ftr" sz="quarter" idx="11"/>
+          </p:nvPr>
+        </p:nvSpPr>
+        <p:spPr/>
+        <p:txBody>
+          <a:bodyPr/>
+          <a:lstStyle/>
+          <a:p>
+            <a:r>
+              <a:rPr kumimoji="1" lang="fi-FI" altLang="ja-JP"/>
+              <a:t>© 2021 Nishikawa   Web:https://harkerhack.com/</a:t>
+            </a:r>
+            <a:endParaRPr kumimoji="1" lang="ja-JP" altLang="en-US"/>
+          </a:p>
+        </p:txBody>
+      </p:sp>
+      <p:sp>
+        <p:nvSpPr>
+          <p:cNvPr id="5" name="Slide Number Placeholder 4">
+            <a:extLst>
+              <a:ext uri="{FF2B5EF4-FFF2-40B4-BE49-F238E27FC236}">
+                <a16:creationId xmlns:a16="http://schemas.microsoft.com/office/drawing/2014/main" id="{428EC955-AB05-48F1-8FFA-0814361E852C}"/>
+              </a:ext>
+            </a:extLst>
+          </p:cNvPr>
+          <p:cNvSpPr>
+            <a:spLocks noGrp="1"/>
+          </p:cNvSpPr>
+          <p:nvPr>
+            <p:ph type="sldNum" sz="quarter" idx="12"/>
+          </p:nvPr>
+        </p:nvSpPr>
+        <p:spPr/>
+        <p:txBody>
+          <a:bodyPr/>
+          <a:lstStyle/>
+          <a:p>
+            <a:fld id="{91512E4F-4AC8-432B-8AD7-25FC6E577C8A}" type="slidenum">
+              <a:rPr kumimoji="1" lang="ja-JP" altLang="en-US" smtClean="0"/>
+              <a:t>7</a:t>
+            </a:fld>
+            <a:endParaRPr kumimoji="1" lang="ja-JP" altLang="en-US"/>
+          </a:p>
+        </p:txBody>
+      </p:sp>
+    </p:spTree>
+    <p:extLst>
+      <p:ext uri="{BB962C8B-B14F-4D97-AF65-F5344CB8AC3E}">
+        <p14:creationId xmlns:p14="http://schemas.microsoft.com/office/powerpoint/2010/main" val="1398266603"/>
       </p:ext>
     </p:extLst>
   </p:cSld>
